--- a/public/lectures/l0_intro.pptx
+++ b/public/lectures/l0_intro.pptx
@@ -5,7 +5,7 @@
     <p:sldMasterId id="2147483648" r:id="rId1"/>
   </p:sldMasterIdLst>
   <p:notesMasterIdLst>
-    <p:notesMasterId r:id="rId10"/>
+    <p:notesMasterId r:id="rId12"/>
   </p:notesMasterIdLst>
   <p:sldIdLst>
     <p:sldId id="256" r:id="rId2"/>
@@ -16,6 +16,8 @@
     <p:sldId id="261" r:id="rId7"/>
     <p:sldId id="262" r:id="rId8"/>
     <p:sldId id="263" r:id="rId9"/>
+    <p:sldId id="264" r:id="rId10"/>
+    <p:sldId id="265" r:id="rId11"/>
   </p:sldIdLst>
   <p:sldSz cx="12192000" cy="6858000"/>
   <p:notesSz cx="6858000" cy="9144000"/>
@@ -204,7 +206,7 @@
           <a:p>
             <a:fld id="{B7A97D31-C5DD-D44E-AFC7-7D7D932E602E}" type="datetimeFigureOut">
               <a:rPr lang="en-US" smtClean="0"/>
-              <a:t>8/29/20</a:t>
+              <a:t>8/30/20</a:t>
             </a:fld>
             <a:endParaRPr lang="en-US"/>
           </a:p>
@@ -785,7 +787,7 @@
           <a:p>
             <a:fld id="{D4C54CBE-4D83-374A-9B7D-03C330FE6110}" type="datetime1">
               <a:rPr lang="en-US" smtClean="0"/>
-              <a:t>8/29/20</a:t>
+              <a:t>8/30/20</a:t>
             </a:fld>
             <a:endParaRPr lang="en-US" dirty="0"/>
           </a:p>
@@ -1115,7 +1117,7 @@
           <a:p>
             <a:fld id="{91105D50-C73A-EF47-AB62-F5B153F2E8D8}" type="datetime1">
               <a:rPr lang="en-US" smtClean="0"/>
-              <a:t>8/29/20</a:t>
+              <a:t>8/30/20</a:t>
             </a:fld>
             <a:endParaRPr lang="en-US" dirty="0"/>
           </a:p>
@@ -1389,7 +1391,7 @@
           <a:p>
             <a:fld id="{0B165EB9-F8AC-9449-926C-54EA24B41578}" type="datetime1">
               <a:rPr lang="en-US" smtClean="0"/>
-              <a:t>8/29/20</a:t>
+              <a:t>8/30/20</a:t>
             </a:fld>
             <a:endParaRPr lang="en-US" dirty="0"/>
           </a:p>
@@ -1953,7 +1955,7 @@
           <a:p>
             <a:fld id="{F42AA632-253F-1546-BD21-419570ADF6C0}" type="datetime1">
               <a:rPr lang="en-US" smtClean="0"/>
-              <a:t>8/29/20</a:t>
+              <a:t>8/30/20</a:t>
             </a:fld>
             <a:endParaRPr lang="en-US" dirty="0"/>
           </a:p>
@@ -2227,7 +2229,7 @@
           <a:p>
             <a:fld id="{4BDAF267-3206-2541-9AC3-7357CD856EED}" type="datetime1">
               <a:rPr lang="en-US" smtClean="0"/>
-              <a:t>8/29/20</a:t>
+              <a:t>8/30/20</a:t>
             </a:fld>
             <a:endParaRPr lang="en-US" dirty="0"/>
           </a:p>
@@ -2785,7 +2787,7 @@
           <a:p>
             <a:fld id="{0D125C02-5471-8846-9275-60A470C9CF89}" type="datetime1">
               <a:rPr lang="en-US" smtClean="0"/>
-              <a:t>8/29/20</a:t>
+              <a:t>8/30/20</a:t>
             </a:fld>
             <a:endParaRPr lang="en-US" dirty="0"/>
           </a:p>
@@ -3108,7 +3110,7 @@
           <a:p>
             <a:fld id="{5594B983-BFE0-0746-AC30-34DE76A49FF3}" type="datetime1">
               <a:rPr lang="en-US" smtClean="0"/>
-              <a:t>8/29/20</a:t>
+              <a:t>8/30/20</a:t>
             </a:fld>
             <a:endParaRPr lang="en-US" dirty="0"/>
           </a:p>
@@ -3281,7 +3283,7 @@
           <a:p>
             <a:fld id="{8F5852D3-4CAC-F141-BD88-F0A98BCDE63D}" type="datetime1">
               <a:rPr lang="en-US" smtClean="0"/>
-              <a:t>8/29/20</a:t>
+              <a:t>8/30/20</a:t>
             </a:fld>
             <a:endParaRPr lang="en-US" dirty="0"/>
           </a:p>
@@ -3515,7 +3517,7 @@
           <a:p>
             <a:fld id="{E8FFAB71-34DD-324D-B9E4-12909094268A}" type="datetime1">
               <a:rPr lang="en-US" smtClean="0"/>
-              <a:t>8/29/20</a:t>
+              <a:t>8/30/20</a:t>
             </a:fld>
             <a:endParaRPr lang="en-US" dirty="0"/>
           </a:p>
@@ -3721,7 +3723,7 @@
           <a:p>
             <a:fld id="{E91A3869-4AEA-E64C-B14C-C912B63B77F1}" type="datetime1">
               <a:rPr lang="en-US" smtClean="0"/>
-              <a:t>8/29/20</a:t>
+              <a:t>8/30/20</a:t>
             </a:fld>
             <a:endParaRPr lang="en-US" dirty="0"/>
           </a:p>
@@ -3993,7 +3995,7 @@
           <a:p>
             <a:fld id="{63DA6A01-6436-C440-AED4-536F4D94DE33}" type="datetime1">
               <a:rPr lang="en-US" smtClean="0"/>
-              <a:t>8/29/20</a:t>
+              <a:t>8/30/20</a:t>
             </a:fld>
             <a:endParaRPr lang="en-US" dirty="0"/>
           </a:p>
@@ -4255,7 +4257,7 @@
           <a:p>
             <a:fld id="{9378CF6C-7E6E-6E42-8257-447461747467}" type="datetime1">
               <a:rPr lang="en-US" smtClean="0"/>
-              <a:t>8/29/20</a:t>
+              <a:t>8/30/20</a:t>
             </a:fld>
             <a:endParaRPr lang="en-US" dirty="0"/>
           </a:p>
@@ -4625,7 +4627,7 @@
           <a:p>
             <a:fld id="{151DD81A-C05D-DB43-A453-78536EB3833E}" type="datetime1">
               <a:rPr lang="en-US" smtClean="0"/>
-              <a:t>8/29/20</a:t>
+              <a:t>8/30/20</a:t>
             </a:fld>
             <a:endParaRPr lang="en-US" dirty="0"/>
           </a:p>
@@ -4769,7 +4771,7 @@
           <a:p>
             <a:fld id="{B2ABFA55-8DE2-4B4E-8E16-002CDDDE0FB4}" type="datetime1">
               <a:rPr lang="en-US" smtClean="0"/>
-              <a:t>8/29/20</a:t>
+              <a:t>8/30/20</a:t>
             </a:fld>
             <a:endParaRPr lang="en-US" dirty="0"/>
           </a:p>
@@ -4890,7 +4892,7 @@
           <a:p>
             <a:fld id="{A2B41625-8CA8-9E43-9845-CB2ABE81C43A}" type="datetime1">
               <a:rPr lang="en-US" smtClean="0"/>
-              <a:t>8/29/20</a:t>
+              <a:t>8/30/20</a:t>
             </a:fld>
             <a:endParaRPr lang="en-US" dirty="0"/>
           </a:p>
@@ -5171,7 +5173,7 @@
           <a:p>
             <a:fld id="{E7043AF9-9B7F-B641-AD1B-A05ADB91C650}" type="datetime1">
               <a:rPr lang="en-US" smtClean="0"/>
-              <a:t>8/29/20</a:t>
+              <a:t>8/30/20</a:t>
             </a:fld>
             <a:endParaRPr lang="en-US" dirty="0"/>
           </a:p>
@@ -5491,7 +5493,7 @@
           <a:p>
             <a:fld id="{55A3F2F8-81CD-9946-8A26-1CA0464DDFE3}" type="datetime1">
               <a:rPr lang="en-US" smtClean="0"/>
-              <a:t>8/29/20</a:t>
+              <a:t>8/30/20</a:t>
             </a:fld>
             <a:endParaRPr lang="en-US" dirty="0"/>
           </a:p>
@@ -5701,7 +5703,7 @@
           <a:p>
             <a:fld id="{BF9D9A23-BCB4-5741-B132-E45EC5B0F592}" type="datetime1">
               <a:rPr lang="en-US" smtClean="0"/>
-              <a:t>8/29/20</a:t>
+              <a:t>8/30/20</a:t>
             </a:fld>
             <a:endParaRPr lang="en-US" dirty="0"/>
           </a:p>
@@ -6283,6 +6285,131 @@
 </p:sld>
 </file>
 
+<file path=ppt/slides/slide10.xml><?xml version="1.0" encoding="utf-8"?>
+<p:sld xmlns:a="http://schemas.openxmlformats.org/drawingml/2006/main" xmlns:r="http://schemas.openxmlformats.org/officeDocument/2006/relationships" xmlns:p="http://schemas.openxmlformats.org/presentationml/2006/main">
+  <p:cSld>
+    <p:spTree>
+      <p:nvGrpSpPr>
+        <p:cNvPr id="1" name=""/>
+        <p:cNvGrpSpPr/>
+        <p:nvPr/>
+      </p:nvGrpSpPr>
+      <p:grpSpPr>
+        <a:xfrm>
+          <a:off x="0" y="0"/>
+          <a:ext cx="0" cy="0"/>
+          <a:chOff x="0" y="0"/>
+          <a:chExt cx="0" cy="0"/>
+        </a:xfrm>
+      </p:grpSpPr>
+      <p:sp>
+        <p:nvSpPr>
+          <p:cNvPr id="2" name="Title 1"/>
+          <p:cNvSpPr>
+            <a:spLocks noGrp="1"/>
+          </p:cNvSpPr>
+          <p:nvPr>
+            <p:ph type="title"/>
+          </p:nvPr>
+        </p:nvSpPr>
+        <p:spPr/>
+        <p:txBody>
+          <a:bodyPr/>
+          <a:lstStyle/>
+          <a:p>
+            <a:r>
+              <a:rPr lang="en-US" dirty="0" smtClean="0"/>
+              <a:t>Announcements</a:t>
+            </a:r>
+            <a:endParaRPr lang="en-US" dirty="0"/>
+          </a:p>
+        </p:txBody>
+      </p:sp>
+      <p:sp>
+        <p:nvSpPr>
+          <p:cNvPr id="3" name="Content Placeholder 2"/>
+          <p:cNvSpPr>
+            <a:spLocks noGrp="1"/>
+          </p:cNvSpPr>
+          <p:nvPr>
+            <p:ph idx="1"/>
+          </p:nvPr>
+        </p:nvSpPr>
+        <p:spPr/>
+        <p:txBody>
+          <a:bodyPr/>
+          <a:lstStyle/>
+          <a:p>
+            <a:r>
+              <a:rPr lang="en-US" dirty="0" smtClean="0"/>
+              <a:t>Read: M&amp;I 13.1-13.5 for Wednesday’s lecture</a:t>
+            </a:r>
+          </a:p>
+          <a:p>
+            <a:r>
+              <a:rPr lang="en-US" dirty="0" smtClean="0"/>
+              <a:t>Lab: Come to your lab section on Thursday to make sure you have the appropriate software installed. I’ll also be available for help with homework during this time.</a:t>
+            </a:r>
+          </a:p>
+          <a:p>
+            <a:r>
+              <a:rPr lang="en-US" dirty="0" smtClean="0"/>
+              <a:t>HW 0 (on Canvas) due Friday</a:t>
+            </a:r>
+          </a:p>
+          <a:p>
+            <a:r>
+              <a:rPr lang="en-US" dirty="0" smtClean="0"/>
+              <a:t>Quiz 0 (covering HW 0) on Friday</a:t>
+            </a:r>
+            <a:endParaRPr lang="en-US" dirty="0"/>
+          </a:p>
+        </p:txBody>
+      </p:sp>
+      <p:sp>
+        <p:nvSpPr>
+          <p:cNvPr id="4" name="Slide Number Placeholder 3"/>
+          <p:cNvSpPr>
+            <a:spLocks noGrp="1"/>
+          </p:cNvSpPr>
+          <p:nvPr>
+            <p:ph type="sldNum" sz="quarter" idx="12"/>
+          </p:nvPr>
+        </p:nvSpPr>
+        <p:spPr/>
+        <p:txBody>
+          <a:bodyPr/>
+          <a:lstStyle/>
+          <a:p>
+            <a:fld id="{D57F1E4F-1CFF-5643-939E-217C01CDF565}" type="slidenum">
+              <a:rPr lang="en-US" smtClean="0"/>
+              <a:pPr/>
+              <a:t>9</a:t>
+            </a:fld>
+            <a:endParaRPr lang="en-US" dirty="0"/>
+          </a:p>
+        </p:txBody>
+      </p:sp>
+    </p:spTree>
+    <p:extLst>
+      <p:ext uri="{BB962C8B-B14F-4D97-AF65-F5344CB8AC3E}">
+        <p14:creationId xmlns:p14="http://schemas.microsoft.com/office/powerpoint/2010/main" val="1064401050"/>
+      </p:ext>
+    </p:extLst>
+  </p:cSld>
+  <p:clrMapOvr>
+    <a:masterClrMapping/>
+  </p:clrMapOvr>
+  <p:timing>
+    <p:tnLst>
+      <p:par>
+        <p:cTn id="1" dur="indefinite" restart="never" nodeType="tmRoot"/>
+      </p:par>
+    </p:tnLst>
+  </p:timing>
+</p:sld>
+</file>
+
 <file path=ppt/slides/slide2.xml><?xml version="1.0" encoding="utf-8"?>
 <p:sld xmlns:a="http://schemas.openxmlformats.org/drawingml/2006/main" xmlns:r="http://schemas.openxmlformats.org/officeDocument/2006/relationships" xmlns:p="http://schemas.openxmlformats.org/presentationml/2006/main">
   <p:cSld>
@@ -8357,6 +8484,105 @@
     <p:extLst>
       <p:ext uri="{BB962C8B-B14F-4D97-AF65-F5344CB8AC3E}">
         <p14:creationId xmlns:p14="http://schemas.microsoft.com/office/powerpoint/2010/main" val="1345021685"/>
+      </p:ext>
+    </p:extLst>
+  </p:cSld>
+  <p:clrMapOvr>
+    <a:masterClrMapping/>
+  </p:clrMapOvr>
+  <p:timing>
+    <p:tnLst>
+      <p:par>
+        <p:cTn id="1" dur="indefinite" restart="never" nodeType="tmRoot"/>
+      </p:par>
+    </p:tnLst>
+  </p:timing>
+</p:sld>
+</file>
+
+<file path=ppt/slides/slide9.xml><?xml version="1.0" encoding="utf-8"?>
+<p:sld xmlns:a="http://schemas.openxmlformats.org/drawingml/2006/main" xmlns:r="http://schemas.openxmlformats.org/officeDocument/2006/relationships" xmlns:p="http://schemas.openxmlformats.org/presentationml/2006/main">
+  <p:cSld>
+    <p:spTree>
+      <p:nvGrpSpPr>
+        <p:cNvPr id="1" name=""/>
+        <p:cNvGrpSpPr/>
+        <p:nvPr/>
+      </p:nvGrpSpPr>
+      <p:grpSpPr>
+        <a:xfrm>
+          <a:off x="0" y="0"/>
+          <a:ext cx="0" cy="0"/>
+          <a:chOff x="0" y="0"/>
+          <a:chExt cx="0" cy="0"/>
+        </a:xfrm>
+      </p:grpSpPr>
+      <p:sp>
+        <p:nvSpPr>
+          <p:cNvPr id="2" name="Title 1"/>
+          <p:cNvSpPr>
+            <a:spLocks noGrp="1"/>
+          </p:cNvSpPr>
+          <p:nvPr>
+            <p:ph type="title"/>
+          </p:nvPr>
+        </p:nvSpPr>
+        <p:spPr/>
+        <p:txBody>
+          <a:bodyPr/>
+          <a:lstStyle/>
+          <a:p>
+            <a:endParaRPr lang="en-US"/>
+          </a:p>
+        </p:txBody>
+      </p:sp>
+      <p:sp>
+        <p:nvSpPr>
+          <p:cNvPr id="3" name="Content Placeholder 2"/>
+          <p:cNvSpPr>
+            <a:spLocks noGrp="1"/>
+          </p:cNvSpPr>
+          <p:nvPr>
+            <p:ph idx="1"/>
+          </p:nvPr>
+        </p:nvSpPr>
+        <p:spPr/>
+        <p:txBody>
+          <a:bodyPr/>
+          <a:lstStyle/>
+          <a:p>
+            <a:endParaRPr lang="en-US"/>
+          </a:p>
+        </p:txBody>
+      </p:sp>
+      <p:sp>
+        <p:nvSpPr>
+          <p:cNvPr id="4" name="Slide Number Placeholder 3"/>
+          <p:cNvSpPr>
+            <a:spLocks noGrp="1"/>
+          </p:cNvSpPr>
+          <p:nvPr>
+            <p:ph type="sldNum" sz="quarter" idx="12"/>
+          </p:nvPr>
+        </p:nvSpPr>
+        <p:spPr/>
+        <p:txBody>
+          <a:bodyPr/>
+          <a:lstStyle/>
+          <a:p>
+            <a:fld id="{D57F1E4F-1CFF-5643-939E-217C01CDF565}" type="slidenum">
+              <a:rPr lang="en-US" smtClean="0"/>
+              <a:pPr/>
+              <a:t>8</a:t>
+            </a:fld>
+            <a:endParaRPr lang="en-US" dirty="0"/>
+          </a:p>
+        </p:txBody>
+      </p:sp>
+    </p:spTree>
+    <p:extLst>
+      <p:ext uri="{BB962C8B-B14F-4D97-AF65-F5344CB8AC3E}">
+        <p14:creationId xmlns:p14="http://schemas.microsoft.com/office/powerpoint/2010/main" val="1498610257"/>
       </p:ext>
     </p:extLst>
   </p:cSld>
